--- a/proyecto2/documentos/Sistema de exámenes en línea.pptx
+++ b/proyecto2/documentos/Sistema de exámenes en línea.pptx
@@ -14,6 +14,9 @@
     <p:sldId id="265" r:id="rId8"/>
     <p:sldId id="267" r:id="rId9"/>
     <p:sldId id="266" r:id="rId10"/>
+    <p:sldId id="268" r:id="rId11"/>
+    <p:sldId id="269" r:id="rId12"/>
+    <p:sldId id="270" r:id="rId13"/>
   </p:sldIdLst>
   <p:sldSz cx="12192000" cy="6858000"/>
   <p:notesSz cx="6858000" cy="9144000"/>
@@ -251,7 +254,7 @@
           <a:p>
             <a:fld id="{A431D7D2-BD63-4D39-9A98-2E32A0B408E6}" type="datetimeFigureOut">
               <a:rPr lang="es-MX" smtClean="0"/>
-              <a:t>24/09/2018</a:t>
+              <a:t>16/10/2018</a:t>
             </a:fld>
             <a:endParaRPr lang="es-MX"/>
           </a:p>
@@ -421,7 +424,7 @@
           <a:p>
             <a:fld id="{A431D7D2-BD63-4D39-9A98-2E32A0B408E6}" type="datetimeFigureOut">
               <a:rPr lang="es-MX" smtClean="0"/>
-              <a:t>24/09/2018</a:t>
+              <a:t>16/10/2018</a:t>
             </a:fld>
             <a:endParaRPr lang="es-MX"/>
           </a:p>
@@ -601,7 +604,7 @@
           <a:p>
             <a:fld id="{A431D7D2-BD63-4D39-9A98-2E32A0B408E6}" type="datetimeFigureOut">
               <a:rPr lang="es-MX" smtClean="0"/>
-              <a:t>24/09/2018</a:t>
+              <a:t>16/10/2018</a:t>
             </a:fld>
             <a:endParaRPr lang="es-MX"/>
           </a:p>
@@ -771,7 +774,7 @@
           <a:p>
             <a:fld id="{A431D7D2-BD63-4D39-9A98-2E32A0B408E6}" type="datetimeFigureOut">
               <a:rPr lang="es-MX" smtClean="0"/>
-              <a:t>24/09/2018</a:t>
+              <a:t>16/10/2018</a:t>
             </a:fld>
             <a:endParaRPr lang="es-MX"/>
           </a:p>
@@ -1017,7 +1020,7 @@
           <a:p>
             <a:fld id="{A431D7D2-BD63-4D39-9A98-2E32A0B408E6}" type="datetimeFigureOut">
               <a:rPr lang="es-MX" smtClean="0"/>
-              <a:t>24/09/2018</a:t>
+              <a:t>16/10/2018</a:t>
             </a:fld>
             <a:endParaRPr lang="es-MX"/>
           </a:p>
@@ -1249,7 +1252,7 @@
           <a:p>
             <a:fld id="{A431D7D2-BD63-4D39-9A98-2E32A0B408E6}" type="datetimeFigureOut">
               <a:rPr lang="es-MX" smtClean="0"/>
-              <a:t>24/09/2018</a:t>
+              <a:t>16/10/2018</a:t>
             </a:fld>
             <a:endParaRPr lang="es-MX"/>
           </a:p>
@@ -1616,7 +1619,7 @@
           <a:p>
             <a:fld id="{A431D7D2-BD63-4D39-9A98-2E32A0B408E6}" type="datetimeFigureOut">
               <a:rPr lang="es-MX" smtClean="0"/>
-              <a:t>24/09/2018</a:t>
+              <a:t>16/10/2018</a:t>
             </a:fld>
             <a:endParaRPr lang="es-MX"/>
           </a:p>
@@ -1734,7 +1737,7 @@
           <a:p>
             <a:fld id="{A431D7D2-BD63-4D39-9A98-2E32A0B408E6}" type="datetimeFigureOut">
               <a:rPr lang="es-MX" smtClean="0"/>
-              <a:t>24/09/2018</a:t>
+              <a:t>16/10/2018</a:t>
             </a:fld>
             <a:endParaRPr lang="es-MX"/>
           </a:p>
@@ -1829,7 +1832,7 @@
           <a:p>
             <a:fld id="{A431D7D2-BD63-4D39-9A98-2E32A0B408E6}" type="datetimeFigureOut">
               <a:rPr lang="es-MX" smtClean="0"/>
-              <a:t>24/09/2018</a:t>
+              <a:t>16/10/2018</a:t>
             </a:fld>
             <a:endParaRPr lang="es-MX"/>
           </a:p>
@@ -2106,7 +2109,7 @@
           <a:p>
             <a:fld id="{A431D7D2-BD63-4D39-9A98-2E32A0B408E6}" type="datetimeFigureOut">
               <a:rPr lang="es-MX" smtClean="0"/>
-              <a:t>24/09/2018</a:t>
+              <a:t>16/10/2018</a:t>
             </a:fld>
             <a:endParaRPr lang="es-MX"/>
           </a:p>
@@ -2359,7 +2362,7 @@
           <a:p>
             <a:fld id="{A431D7D2-BD63-4D39-9A98-2E32A0B408E6}" type="datetimeFigureOut">
               <a:rPr lang="es-MX" smtClean="0"/>
-              <a:t>24/09/2018</a:t>
+              <a:t>16/10/2018</a:t>
             </a:fld>
             <a:endParaRPr lang="es-MX"/>
           </a:p>
@@ -2572,7 +2575,7 @@
           <a:p>
             <a:fld id="{A431D7D2-BD63-4D39-9A98-2E32A0B408E6}" type="datetimeFigureOut">
               <a:rPr lang="es-MX" smtClean="0"/>
-              <a:t>24/09/2018</a:t>
+              <a:t>16/10/2018</a:t>
             </a:fld>
             <a:endParaRPr lang="es-MX"/>
           </a:p>
@@ -3247,6 +3250,233 @@
 </p:sld>
 </file>
 
+<file path=ppt/slides/slide10.xml><?xml version="1.0" encoding="utf-8"?>
+<p:sld xmlns:a="http://schemas.openxmlformats.org/drawingml/2006/main" xmlns:r="http://schemas.openxmlformats.org/officeDocument/2006/relationships" xmlns:p="http://schemas.openxmlformats.org/presentationml/2006/main">
+  <p:cSld>
+    <p:spTree>
+      <p:nvGrpSpPr>
+        <p:cNvPr id="1" name=""/>
+        <p:cNvGrpSpPr/>
+        <p:nvPr/>
+      </p:nvGrpSpPr>
+      <p:grpSpPr>
+        <a:xfrm>
+          <a:off x="0" y="0"/>
+          <a:ext cx="0" cy="0"/>
+          <a:chOff x="0" y="0"/>
+          <a:chExt cx="0" cy="0"/>
+        </a:xfrm>
+      </p:grpSpPr>
+      <p:pic>
+        <p:nvPicPr>
+          <p:cNvPr id="5" name="Imagen 4" descr="Recorte de pantalla"/>
+          <p:cNvPicPr>
+            <a:picLocks noChangeAspect="1"/>
+          </p:cNvPicPr>
+          <p:nvPr/>
+        </p:nvPicPr>
+        <p:blipFill>
+          <a:blip r:embed="rId2">
+            <a:extLst>
+              <a:ext uri="{28A0092B-C50C-407E-A947-70E740481C1C}">
+                <a14:useLocalDpi xmlns:a14="http://schemas.microsoft.com/office/drawing/2010/main" val="0"/>
+              </a:ext>
+            </a:extLst>
+          </a:blip>
+          <a:stretch>
+            <a:fillRect/>
+          </a:stretch>
+        </p:blipFill>
+        <p:spPr>
+          <a:xfrm>
+            <a:off x="2339217" y="1867989"/>
+            <a:ext cx="7468412" cy="2954674"/>
+          </a:xfrm>
+          <a:prstGeom prst="rect">
+            <a:avLst/>
+          </a:prstGeom>
+        </p:spPr>
+      </p:pic>
+    </p:spTree>
+    <p:extLst>
+      <p:ext uri="{BB962C8B-B14F-4D97-AF65-F5344CB8AC3E}">
+        <p14:creationId xmlns:p14="http://schemas.microsoft.com/office/powerpoint/2010/main" val="1638125591"/>
+      </p:ext>
+    </p:extLst>
+  </p:cSld>
+  <p:clrMapOvr>
+    <a:masterClrMapping/>
+  </p:clrMapOvr>
+</p:sld>
+</file>
+
+<file path=ppt/slides/slide11.xml><?xml version="1.0" encoding="utf-8"?>
+<p:sld xmlns:a="http://schemas.openxmlformats.org/drawingml/2006/main" xmlns:r="http://schemas.openxmlformats.org/officeDocument/2006/relationships" xmlns:p="http://schemas.openxmlformats.org/presentationml/2006/main">
+  <p:cSld>
+    <p:spTree>
+      <p:nvGrpSpPr>
+        <p:cNvPr id="1" name=""/>
+        <p:cNvGrpSpPr/>
+        <p:nvPr/>
+      </p:nvGrpSpPr>
+      <p:grpSpPr>
+        <a:xfrm>
+          <a:off x="0" y="0"/>
+          <a:ext cx="0" cy="0"/>
+          <a:chOff x="0" y="0"/>
+          <a:chExt cx="0" cy="0"/>
+        </a:xfrm>
+      </p:grpSpPr>
+      <p:pic>
+        <p:nvPicPr>
+          <p:cNvPr id="4" name="Imagen 3"/>
+          <p:cNvPicPr>
+            <a:picLocks noChangeAspect="1"/>
+          </p:cNvPicPr>
+          <p:nvPr/>
+        </p:nvPicPr>
+        <p:blipFill>
+          <a:blip r:embed="rId2">
+            <a:extLst>
+              <a:ext uri="{28A0092B-C50C-407E-A947-70E740481C1C}">
+                <a14:useLocalDpi xmlns:a14="http://schemas.microsoft.com/office/drawing/2010/main" val="0"/>
+              </a:ext>
+            </a:extLst>
+          </a:blip>
+          <a:stretch>
+            <a:fillRect/>
+          </a:stretch>
+        </p:blipFill>
+        <p:spPr>
+          <a:xfrm>
+            <a:off x="2667173" y="2035048"/>
+            <a:ext cx="7249537" cy="2448267"/>
+          </a:xfrm>
+          <a:prstGeom prst="rect">
+            <a:avLst/>
+          </a:prstGeom>
+        </p:spPr>
+      </p:pic>
+    </p:spTree>
+    <p:extLst>
+      <p:ext uri="{BB962C8B-B14F-4D97-AF65-F5344CB8AC3E}">
+        <p14:creationId xmlns:p14="http://schemas.microsoft.com/office/powerpoint/2010/main" val="2537067230"/>
+      </p:ext>
+    </p:extLst>
+  </p:cSld>
+  <p:clrMapOvr>
+    <a:masterClrMapping/>
+  </p:clrMapOvr>
+  <p:timing>
+    <p:tnLst>
+      <p:par>
+        <p:cTn id="1" dur="indefinite" restart="never" nodeType="tmRoot"/>
+      </p:par>
+    </p:tnLst>
+  </p:timing>
+</p:sld>
+</file>
+
+<file path=ppt/slides/slide12.xml><?xml version="1.0" encoding="utf-8"?>
+<p:sld xmlns:a="http://schemas.openxmlformats.org/drawingml/2006/main" xmlns:r="http://schemas.openxmlformats.org/officeDocument/2006/relationships" xmlns:p="http://schemas.openxmlformats.org/presentationml/2006/main">
+  <p:cSld>
+    <p:spTree>
+      <p:nvGrpSpPr>
+        <p:cNvPr id="1" name=""/>
+        <p:cNvGrpSpPr/>
+        <p:nvPr/>
+      </p:nvGrpSpPr>
+      <p:grpSpPr>
+        <a:xfrm>
+          <a:off x="0" y="0"/>
+          <a:ext cx="0" cy="0"/>
+          <a:chOff x="0" y="0"/>
+          <a:chExt cx="0" cy="0"/>
+        </a:xfrm>
+      </p:grpSpPr>
+      <p:sp>
+        <p:nvSpPr>
+          <p:cNvPr id="43" name="Título 42"/>
+          <p:cNvSpPr>
+            <a:spLocks noGrp="1"/>
+          </p:cNvSpPr>
+          <p:nvPr>
+            <p:ph type="ctrTitle"/>
+          </p:nvPr>
+        </p:nvSpPr>
+        <p:spPr>
+          <a:xfrm>
+            <a:off x="1498600" y="2074863"/>
+            <a:ext cx="9144000" cy="2387600"/>
+          </a:xfrm>
+        </p:spPr>
+        <p:txBody>
+          <a:bodyPr/>
+          <a:lstStyle/>
+          <a:p>
+            <a:r>
+              <a:rPr lang="es-MX" dirty="0" smtClean="0"/>
+              <a:t>Sistema de exámenes </a:t>
+            </a:r>
+            <a:br>
+              <a:rPr lang="es-MX" dirty="0" smtClean="0"/>
+            </a:br>
+            <a:r>
+              <a:rPr lang="es-MX" dirty="0" smtClean="0"/>
+              <a:t>“ES”</a:t>
+            </a:r>
+            <a:endParaRPr lang="es-MX" dirty="0"/>
+          </a:p>
+        </p:txBody>
+      </p:sp>
+      <p:sp>
+        <p:nvSpPr>
+          <p:cNvPr id="44" name="Subtítulo 43"/>
+          <p:cNvSpPr>
+            <a:spLocks noGrp="1"/>
+          </p:cNvSpPr>
+          <p:nvPr>
+            <p:ph type="subTitle" idx="1"/>
+          </p:nvPr>
+        </p:nvSpPr>
+        <p:spPr>
+          <a:xfrm>
+            <a:off x="8789852" y="6103212"/>
+            <a:ext cx="3302000" cy="525462"/>
+          </a:xfrm>
+        </p:spPr>
+        <p:txBody>
+          <a:bodyPr/>
+          <a:lstStyle/>
+          <a:p>
+            <a:r>
+              <a:rPr lang="es-MX" dirty="0" smtClean="0"/>
+              <a:t>Ricardo Zamora Picazo</a:t>
+            </a:r>
+            <a:endParaRPr lang="es-MX" dirty="0"/>
+          </a:p>
+        </p:txBody>
+      </p:sp>
+    </p:spTree>
+    <p:extLst>
+      <p:ext uri="{BB962C8B-B14F-4D97-AF65-F5344CB8AC3E}">
+        <p14:creationId xmlns:p14="http://schemas.microsoft.com/office/powerpoint/2010/main" val="2034203812"/>
+      </p:ext>
+    </p:extLst>
+  </p:cSld>
+  <p:clrMapOvr>
+    <a:masterClrMapping/>
+  </p:clrMapOvr>
+  <p:timing>
+    <p:tnLst>
+      <p:par>
+        <p:cTn id="1" dur="indefinite" restart="never" nodeType="tmRoot"/>
+      </p:par>
+    </p:tnLst>
+  </p:timing>
+</p:sld>
+</file>
+
 <file path=ppt/slides/slide2.xml><?xml version="1.0" encoding="utf-8"?>
 <p:sld xmlns:a="http://schemas.openxmlformats.org/drawingml/2006/main" xmlns:r="http://schemas.openxmlformats.org/officeDocument/2006/relationships" xmlns:p="http://schemas.openxmlformats.org/presentationml/2006/main">
   <p:cSld>
@@ -3413,8 +3643,8 @@
         </p:blipFill>
         <p:spPr>
           <a:xfrm>
-            <a:off x="6096000" y="4698654"/>
-            <a:ext cx="2681774" cy="1907691"/>
+            <a:off x="6187440" y="3265715"/>
+            <a:ext cx="4696156" cy="3340630"/>
           </a:xfrm>
           <a:prstGeom prst="rect">
             <a:avLst/>
@@ -4129,11 +4359,7 @@
           <a:p>
             <a:r>
               <a:rPr lang="es-MX" dirty="0" smtClean="0"/>
-              <a:t>Sistema de </a:t>
-            </a:r>
-            <a:r>
-              <a:rPr lang="es-MX" dirty="0" smtClean="0"/>
-              <a:t>exámenes</a:t>
+              <a:t>Sistema de exámenes</a:t>
             </a:r>
             <a:br>
               <a:rPr lang="es-MX" dirty="0" smtClean="0"/>
@@ -4468,13 +4694,10 @@
               <a:t>Desarrollar un sistema de </a:t>
             </a:r>
             <a:r>
-              <a:rPr lang="es-MX" dirty="0" err="1" smtClean="0"/>
-              <a:t>examnes</a:t>
-            </a:r>
-            <a:r>
               <a:rPr lang="es-MX" dirty="0" smtClean="0"/>
-              <a:t>.</a:t>
-            </a:r>
+              <a:t>exámenes.</a:t>
+            </a:r>
+            <a:endParaRPr lang="es-MX" dirty="0" smtClean="0"/>
           </a:p>
           <a:p>
             <a:pPr marL="0" indent="0">
@@ -4982,11 +5205,7 @@
           <a:p>
             <a:r>
               <a:rPr lang="es-MX" dirty="0" smtClean="0"/>
-              <a:t>Sistema de </a:t>
-            </a:r>
-            <a:r>
-              <a:rPr lang="es-MX" dirty="0" smtClean="0"/>
-              <a:t>exámenes </a:t>
+              <a:t>Sistema de exámenes </a:t>
             </a:r>
             <a:br>
               <a:rPr lang="es-MX" dirty="0" smtClean="0"/>
@@ -5022,200 +5241,6 @@
             <a:r>
               <a:rPr lang="es-MX" dirty="0" smtClean="0"/>
               <a:t>Ricardo Zamora Picazo</a:t>
-            </a:r>
-            <a:endParaRPr lang="es-MX" dirty="0"/>
-          </a:p>
-        </p:txBody>
-      </p:sp>
-      <p:sp>
-        <p:nvSpPr>
-          <p:cNvPr id="4" name="Subtítulo 43"/>
-          <p:cNvSpPr txBox="1">
-            <a:spLocks/>
-          </p:cNvSpPr>
-          <p:nvPr/>
-        </p:nvSpPr>
-        <p:spPr>
-          <a:xfrm>
-            <a:off x="255452" y="6332538"/>
-            <a:ext cx="3302000" cy="525462"/>
-          </a:xfrm>
-          <a:prstGeom prst="rect">
-            <a:avLst/>
-          </a:prstGeom>
-        </p:spPr>
-        <p:txBody>
-          <a:bodyPr vert="horz" lIns="91440" tIns="45720" rIns="91440" bIns="45720" rtlCol="0">
-            <a:normAutofit/>
-          </a:bodyPr>
-          <a:lstStyle>
-            <a:lvl1pPr marL="0" indent="0" algn="ctr" defTabSz="914400" rtl="0" eaLnBrk="1" latinLnBrk="0" hangingPunct="1">
-              <a:lnSpc>
-                <a:spcPct val="90000"/>
-              </a:lnSpc>
-              <a:spcBef>
-                <a:spcPts val="1000"/>
-              </a:spcBef>
-              <a:buFont typeface="Arial" panose="020B0604020202020204" pitchFamily="34" charset="0"/>
-              <a:buNone/>
-              <a:defRPr sz="2400" kern="1200">
-                <a:solidFill>
-                  <a:schemeClr val="tx1"/>
-                </a:solidFill>
-                <a:latin typeface="+mn-lt"/>
-                <a:ea typeface="+mn-ea"/>
-                <a:cs typeface="+mn-cs"/>
-              </a:defRPr>
-            </a:lvl1pPr>
-            <a:lvl2pPr marL="457200" indent="0" algn="ctr" defTabSz="914400" rtl="0" eaLnBrk="1" latinLnBrk="0" hangingPunct="1">
-              <a:lnSpc>
-                <a:spcPct val="90000"/>
-              </a:lnSpc>
-              <a:spcBef>
-                <a:spcPts val="500"/>
-              </a:spcBef>
-              <a:buFont typeface="Arial" panose="020B0604020202020204" pitchFamily="34" charset="0"/>
-              <a:buNone/>
-              <a:defRPr sz="2000" kern="1200">
-                <a:solidFill>
-                  <a:schemeClr val="tx1"/>
-                </a:solidFill>
-                <a:latin typeface="+mn-lt"/>
-                <a:ea typeface="+mn-ea"/>
-                <a:cs typeface="+mn-cs"/>
-              </a:defRPr>
-            </a:lvl2pPr>
-            <a:lvl3pPr marL="914400" indent="0" algn="ctr" defTabSz="914400" rtl="0" eaLnBrk="1" latinLnBrk="0" hangingPunct="1">
-              <a:lnSpc>
-                <a:spcPct val="90000"/>
-              </a:lnSpc>
-              <a:spcBef>
-                <a:spcPts val="500"/>
-              </a:spcBef>
-              <a:buFont typeface="Arial" panose="020B0604020202020204" pitchFamily="34" charset="0"/>
-              <a:buNone/>
-              <a:defRPr sz="1800" kern="1200">
-                <a:solidFill>
-                  <a:schemeClr val="tx1"/>
-                </a:solidFill>
-                <a:latin typeface="+mn-lt"/>
-                <a:ea typeface="+mn-ea"/>
-                <a:cs typeface="+mn-cs"/>
-              </a:defRPr>
-            </a:lvl3pPr>
-            <a:lvl4pPr marL="1371600" indent="0" algn="ctr" defTabSz="914400" rtl="0" eaLnBrk="1" latinLnBrk="0" hangingPunct="1">
-              <a:lnSpc>
-                <a:spcPct val="90000"/>
-              </a:lnSpc>
-              <a:spcBef>
-                <a:spcPts val="500"/>
-              </a:spcBef>
-              <a:buFont typeface="Arial" panose="020B0604020202020204" pitchFamily="34" charset="0"/>
-              <a:buNone/>
-              <a:defRPr sz="1600" kern="1200">
-                <a:solidFill>
-                  <a:schemeClr val="tx1"/>
-                </a:solidFill>
-                <a:latin typeface="+mn-lt"/>
-                <a:ea typeface="+mn-ea"/>
-                <a:cs typeface="+mn-cs"/>
-              </a:defRPr>
-            </a:lvl4pPr>
-            <a:lvl5pPr marL="1828800" indent="0" algn="ctr" defTabSz="914400" rtl="0" eaLnBrk="1" latinLnBrk="0" hangingPunct="1">
-              <a:lnSpc>
-                <a:spcPct val="90000"/>
-              </a:lnSpc>
-              <a:spcBef>
-                <a:spcPts val="500"/>
-              </a:spcBef>
-              <a:buFont typeface="Arial" panose="020B0604020202020204" pitchFamily="34" charset="0"/>
-              <a:buNone/>
-              <a:defRPr sz="1600" kern="1200">
-                <a:solidFill>
-                  <a:schemeClr val="tx1"/>
-                </a:solidFill>
-                <a:latin typeface="+mn-lt"/>
-                <a:ea typeface="+mn-ea"/>
-                <a:cs typeface="+mn-cs"/>
-              </a:defRPr>
-            </a:lvl5pPr>
-            <a:lvl6pPr marL="2286000" indent="0" algn="ctr" defTabSz="914400" rtl="0" eaLnBrk="1" latinLnBrk="0" hangingPunct="1">
-              <a:lnSpc>
-                <a:spcPct val="90000"/>
-              </a:lnSpc>
-              <a:spcBef>
-                <a:spcPts val="500"/>
-              </a:spcBef>
-              <a:buFont typeface="Arial" panose="020B0604020202020204" pitchFamily="34" charset="0"/>
-              <a:buNone/>
-              <a:defRPr sz="1600" kern="1200">
-                <a:solidFill>
-                  <a:schemeClr val="tx1"/>
-                </a:solidFill>
-                <a:latin typeface="+mn-lt"/>
-                <a:ea typeface="+mn-ea"/>
-                <a:cs typeface="+mn-cs"/>
-              </a:defRPr>
-            </a:lvl6pPr>
-            <a:lvl7pPr marL="2743200" indent="0" algn="ctr" defTabSz="914400" rtl="0" eaLnBrk="1" latinLnBrk="0" hangingPunct="1">
-              <a:lnSpc>
-                <a:spcPct val="90000"/>
-              </a:lnSpc>
-              <a:spcBef>
-                <a:spcPts val="500"/>
-              </a:spcBef>
-              <a:buFont typeface="Arial" panose="020B0604020202020204" pitchFamily="34" charset="0"/>
-              <a:buNone/>
-              <a:defRPr sz="1600" kern="1200">
-                <a:solidFill>
-                  <a:schemeClr val="tx1"/>
-                </a:solidFill>
-                <a:latin typeface="+mn-lt"/>
-                <a:ea typeface="+mn-ea"/>
-                <a:cs typeface="+mn-cs"/>
-              </a:defRPr>
-            </a:lvl7pPr>
-            <a:lvl8pPr marL="3200400" indent="0" algn="ctr" defTabSz="914400" rtl="0" eaLnBrk="1" latinLnBrk="0" hangingPunct="1">
-              <a:lnSpc>
-                <a:spcPct val="90000"/>
-              </a:lnSpc>
-              <a:spcBef>
-                <a:spcPts val="500"/>
-              </a:spcBef>
-              <a:buFont typeface="Arial" panose="020B0604020202020204" pitchFamily="34" charset="0"/>
-              <a:buNone/>
-              <a:defRPr sz="1600" kern="1200">
-                <a:solidFill>
-                  <a:schemeClr val="tx1"/>
-                </a:solidFill>
-                <a:latin typeface="+mn-lt"/>
-                <a:ea typeface="+mn-ea"/>
-                <a:cs typeface="+mn-cs"/>
-              </a:defRPr>
-            </a:lvl8pPr>
-            <a:lvl9pPr marL="3657600" indent="0" algn="ctr" defTabSz="914400" rtl="0" eaLnBrk="1" latinLnBrk="0" hangingPunct="1">
-              <a:lnSpc>
-                <a:spcPct val="90000"/>
-              </a:lnSpc>
-              <a:spcBef>
-                <a:spcPts val="500"/>
-              </a:spcBef>
-              <a:buFont typeface="Arial" panose="020B0604020202020204" pitchFamily="34" charset="0"/>
-              <a:buNone/>
-              <a:defRPr sz="1600" kern="1200">
-                <a:solidFill>
-                  <a:schemeClr val="tx1"/>
-                </a:solidFill>
-                <a:latin typeface="+mn-lt"/>
-                <a:ea typeface="+mn-ea"/>
-                <a:cs typeface="+mn-cs"/>
-              </a:defRPr>
-            </a:lvl9pPr>
-          </a:lstStyle>
-          <a:p>
-            <a:r>
-              <a:rPr lang="es-MX" dirty="0" smtClean="0"/>
-              <a:t>Continuara?..</a:t>
             </a:r>
             <a:endParaRPr lang="es-MX" dirty="0"/>
           </a:p>
